--- a/Assignment/01_until jun 23/blueprint.pptx
+++ b/Assignment/01_until jun 23/blueprint.pptx
@@ -254,7 +254,7 @@
           <a:p>
             <a:fld id="{88E8AFCE-6A64-49DC-A42F-4049A85E3354}" type="datetimeFigureOut">
               <a:rPr lang="ko-KR" altLang="en-US" smtClean="0"/>
-              <a:t>2022-06-19</a:t>
+              <a:t>2022-06-21</a:t>
             </a:fld>
             <a:endParaRPr lang="ko-KR" altLang="en-US"/>
           </a:p>
@@ -424,7 +424,7 @@
           <a:p>
             <a:fld id="{88E8AFCE-6A64-49DC-A42F-4049A85E3354}" type="datetimeFigureOut">
               <a:rPr lang="ko-KR" altLang="en-US" smtClean="0"/>
-              <a:t>2022-06-19</a:t>
+              <a:t>2022-06-21</a:t>
             </a:fld>
             <a:endParaRPr lang="ko-KR" altLang="en-US"/>
           </a:p>
@@ -604,7 +604,7 @@
           <a:p>
             <a:fld id="{88E8AFCE-6A64-49DC-A42F-4049A85E3354}" type="datetimeFigureOut">
               <a:rPr lang="ko-KR" altLang="en-US" smtClean="0"/>
-              <a:t>2022-06-19</a:t>
+              <a:t>2022-06-21</a:t>
             </a:fld>
             <a:endParaRPr lang="ko-KR" altLang="en-US"/>
           </a:p>
@@ -774,7 +774,7 @@
           <a:p>
             <a:fld id="{88E8AFCE-6A64-49DC-A42F-4049A85E3354}" type="datetimeFigureOut">
               <a:rPr lang="ko-KR" altLang="en-US" smtClean="0"/>
-              <a:t>2022-06-19</a:t>
+              <a:t>2022-06-21</a:t>
             </a:fld>
             <a:endParaRPr lang="ko-KR" altLang="en-US"/>
           </a:p>
@@ -1018,7 +1018,7 @@
           <a:p>
             <a:fld id="{88E8AFCE-6A64-49DC-A42F-4049A85E3354}" type="datetimeFigureOut">
               <a:rPr lang="ko-KR" altLang="en-US" smtClean="0"/>
-              <a:t>2022-06-19</a:t>
+              <a:t>2022-06-21</a:t>
             </a:fld>
             <a:endParaRPr lang="ko-KR" altLang="en-US"/>
           </a:p>
@@ -1250,7 +1250,7 @@
           <a:p>
             <a:fld id="{88E8AFCE-6A64-49DC-A42F-4049A85E3354}" type="datetimeFigureOut">
               <a:rPr lang="ko-KR" altLang="en-US" smtClean="0"/>
-              <a:t>2022-06-19</a:t>
+              <a:t>2022-06-21</a:t>
             </a:fld>
             <a:endParaRPr lang="ko-KR" altLang="en-US"/>
           </a:p>
@@ -1617,7 +1617,7 @@
           <a:p>
             <a:fld id="{88E8AFCE-6A64-49DC-A42F-4049A85E3354}" type="datetimeFigureOut">
               <a:rPr lang="ko-KR" altLang="en-US" smtClean="0"/>
-              <a:t>2022-06-19</a:t>
+              <a:t>2022-06-21</a:t>
             </a:fld>
             <a:endParaRPr lang="ko-KR" altLang="en-US"/>
           </a:p>
@@ -1735,7 +1735,7 @@
           <a:p>
             <a:fld id="{88E8AFCE-6A64-49DC-A42F-4049A85E3354}" type="datetimeFigureOut">
               <a:rPr lang="ko-KR" altLang="en-US" smtClean="0"/>
-              <a:t>2022-06-19</a:t>
+              <a:t>2022-06-21</a:t>
             </a:fld>
             <a:endParaRPr lang="ko-KR" altLang="en-US"/>
           </a:p>
@@ -1830,7 +1830,7 @@
           <a:p>
             <a:fld id="{88E8AFCE-6A64-49DC-A42F-4049A85E3354}" type="datetimeFigureOut">
               <a:rPr lang="ko-KR" altLang="en-US" smtClean="0"/>
-              <a:t>2022-06-19</a:t>
+              <a:t>2022-06-21</a:t>
             </a:fld>
             <a:endParaRPr lang="ko-KR" altLang="en-US"/>
           </a:p>
@@ -2107,7 +2107,7 @@
           <a:p>
             <a:fld id="{88E8AFCE-6A64-49DC-A42F-4049A85E3354}" type="datetimeFigureOut">
               <a:rPr lang="ko-KR" altLang="en-US" smtClean="0"/>
-              <a:t>2022-06-19</a:t>
+              <a:t>2022-06-21</a:t>
             </a:fld>
             <a:endParaRPr lang="ko-KR" altLang="en-US"/>
           </a:p>
@@ -2364,7 +2364,7 @@
           <a:p>
             <a:fld id="{88E8AFCE-6A64-49DC-A42F-4049A85E3354}" type="datetimeFigureOut">
               <a:rPr lang="ko-KR" altLang="en-US" smtClean="0"/>
-              <a:t>2022-06-19</a:t>
+              <a:t>2022-06-21</a:t>
             </a:fld>
             <a:endParaRPr lang="ko-KR" altLang="en-US"/>
           </a:p>
@@ -2577,7 +2577,7 @@
           <a:p>
             <a:fld id="{88E8AFCE-6A64-49DC-A42F-4049A85E3354}" type="datetimeFigureOut">
               <a:rPr lang="ko-KR" altLang="en-US" smtClean="0"/>
-              <a:t>2022-06-19</a:t>
+              <a:t>2022-06-21</a:t>
             </a:fld>
             <a:endParaRPr lang="ko-KR" altLang="en-US"/>
           </a:p>
@@ -4561,7 +4561,6 @@
               <a:rPr lang="en-US" altLang="ko-KR" sz="1878" dirty="0"/>
               <a:t>Latest Stories</a:t>
             </a:r>
-            <a:endParaRPr lang="en-US" altLang="ko-KR" sz="1878" dirty="0"/>
           </a:p>
         </p:txBody>
       </p:sp>
@@ -4813,6 +4812,180 @@
               <a:t>&lt;p&gt;</a:t>
             </a:r>
             <a:endParaRPr lang="ko-KR" altLang="en-US" dirty="0"/>
+          </a:p>
+        </p:txBody>
+      </p:sp>
+      <p:pic>
+        <p:nvPicPr>
+          <p:cNvPr id="3" name="그림 2"/>
+          <p:cNvPicPr>
+            <a:picLocks noChangeAspect="1"/>
+          </p:cNvPicPr>
+          <p:nvPr/>
+        </p:nvPicPr>
+        <p:blipFill>
+          <a:blip r:embed="rId2"/>
+          <a:stretch>
+            <a:fillRect/>
+          </a:stretch>
+        </p:blipFill>
+        <p:spPr>
+          <a:xfrm>
+            <a:off x="752475" y="4331675"/>
+            <a:ext cx="8401050" cy="1998003"/>
+          </a:xfrm>
+          <a:prstGeom prst="rect">
+            <a:avLst/>
+          </a:prstGeom>
+        </p:spPr>
+      </p:pic>
+      <p:grpSp>
+        <p:nvGrpSpPr>
+          <p:cNvPr id="43" name="그룹 42"/>
+          <p:cNvGrpSpPr/>
+          <p:nvPr/>
+        </p:nvGrpSpPr>
+        <p:grpSpPr>
+          <a:xfrm>
+            <a:off x="-1451552" y="-4235345"/>
+            <a:ext cx="3867682" cy="1073045"/>
+            <a:chOff x="-1451552" y="-4235345"/>
+            <a:chExt cx="3867682" cy="1073045"/>
+          </a:xfrm>
+        </p:grpSpPr>
+        <p:pic>
+          <p:nvPicPr>
+            <p:cNvPr id="40" name="그림 39"/>
+            <p:cNvPicPr>
+              <a:picLocks noChangeAspect="1"/>
+            </p:cNvPicPr>
+            <p:nvPr/>
+          </p:nvPicPr>
+          <p:blipFill>
+            <a:blip r:embed="rId3" cstate="print">
+              <a:extLst>
+                <a:ext uri="{28A0092B-C50C-407E-A947-70E740481C1C}">
+                  <a14:useLocalDpi xmlns:a14="http://schemas.microsoft.com/office/drawing/2010/main" val="0"/>
+                </a:ext>
+              </a:extLst>
+            </a:blip>
+            <a:stretch>
+              <a:fillRect/>
+            </a:stretch>
+          </p:blipFill>
+          <p:spPr>
+            <a:xfrm>
+              <a:off x="-1451552" y="-4235345"/>
+              <a:ext cx="1073045" cy="1073045"/>
+            </a:xfrm>
+            <a:prstGeom prst="rect">
+              <a:avLst/>
+            </a:prstGeom>
+          </p:spPr>
+        </p:pic>
+        <p:sp>
+          <p:nvSpPr>
+            <p:cNvPr id="41" name="직사각형 40"/>
+            <p:cNvSpPr/>
+            <p:nvPr/>
+          </p:nvSpPr>
+          <p:spPr>
+            <a:xfrm>
+              <a:off x="-525509" y="-3992616"/>
+              <a:ext cx="2941639" cy="763083"/>
+            </a:xfrm>
+            <a:prstGeom prst="rect">
+              <a:avLst/>
+            </a:prstGeom>
+            <a:noFill/>
+          </p:spPr>
+          <p:txBody>
+            <a:bodyPr wrap="none" lIns="91440" tIns="45720" rIns="91440" bIns="45720">
+              <a:spAutoFit/>
+            </a:bodyPr>
+            <a:lstStyle/>
+            <a:p>
+              <a:pPr algn="ctr"/>
+              <a:r>
+                <a:rPr lang="en-US" altLang="ko-KR" sz="5400" b="1" i="1" cap="none" spc="0" dirty="0" smtClean="0">
+                  <a:ln w="12700" cmpd="sng">
+                    <a:noFill/>
+                    <a:prstDash val="solid"/>
+                  </a:ln>
+                  <a:gradFill>
+                    <a:gsLst>
+                      <a:gs pos="0">
+                        <a:srgbClr val="00B0F0"/>
+                      </a:gs>
+                      <a:gs pos="4000">
+                        <a:srgbClr val="00B0F0"/>
+                      </a:gs>
+                      <a:gs pos="84000">
+                        <a:schemeClr val="accent1">
+                          <a:lumMod val="60000"/>
+                          <a:lumOff val="40000"/>
+                        </a:schemeClr>
+                      </a:gs>
+                    </a:gsLst>
+                    <a:lin ang="5400000"/>
+                  </a:gradFill>
+                  <a:effectLst/>
+                </a:rPr>
+                <a:t>Luke Tour</a:t>
+              </a:r>
+              <a:endParaRPr lang="en-US" altLang="ko-KR" sz="5400" b="1" i="1" cap="none" spc="0" dirty="0">
+                <a:ln w="12700" cmpd="sng">
+                  <a:noFill/>
+                  <a:prstDash val="solid"/>
+                </a:ln>
+                <a:gradFill>
+                  <a:gsLst>
+                    <a:gs pos="0">
+                      <a:srgbClr val="00B0F0"/>
+                    </a:gs>
+                    <a:gs pos="4000">
+                      <a:srgbClr val="00B0F0"/>
+                    </a:gs>
+                    <a:gs pos="84000">
+                      <a:schemeClr val="accent1">
+                        <a:lumMod val="60000"/>
+                        <a:lumOff val="40000"/>
+                      </a:schemeClr>
+                    </a:gs>
+                  </a:gsLst>
+                  <a:lin ang="5400000"/>
+                </a:gradFill>
+                <a:effectLst/>
+              </a:endParaRPr>
+            </a:p>
+          </p:txBody>
+        </p:sp>
+      </p:grpSp>
+      <p:sp>
+        <p:nvSpPr>
+          <p:cNvPr id="42" name="직사각형 41"/>
+          <p:cNvSpPr/>
+          <p:nvPr/>
+        </p:nvSpPr>
+        <p:spPr>
+          <a:xfrm>
+            <a:off x="5924976" y="-3886511"/>
+            <a:ext cx="4953000" cy="2585323"/>
+          </a:xfrm>
+          <a:prstGeom prst="rect">
+            <a:avLst/>
+          </a:prstGeom>
+        </p:spPr>
+        <p:txBody>
+          <a:bodyPr>
+            <a:spAutoFit/>
+          </a:bodyPr>
+          <a:lstStyle/>
+          <a:p>
+            <a:r>
+              <a:rPr lang="ko-KR" altLang="en-US" dirty="0"/>
+              <a:t>https://www.expedia.ca/Canada.d31.Destination-Travel-Guides?semcid=CA.UB.GOOGLE.DL-c-EN.PACKAGE&amp;semdtl=a11490374764.b157881483939.r1.g1kwd-410386802538.i1.d1294550366552.e1c.j19001533.k1.f1.n1.l1g.h1e.m1&amp;gclid=Cj0KCQjw2MWVBhCQARIsAIjbwoOnFGeC--ixxfPKoz7BBv0XjpvWondxjgAcKiTmbYQdllbHG5FRXhoaAkcoEALw_wcB</a:t>
+            </a:r>
           </a:p>
         </p:txBody>
       </p:sp>
